--- a/Projektfeladat_operacios_rendszerek_kolbaszok_2021.pptx
+++ b/Projektfeladat_operacios_rendszerek_kolbaszok_2021.pptx
@@ -321,7 +321,9 @@
               <c:showPercent val="1"/>
               <c:showBubbleSize val="0"/>
               <c:extLst>
-                <c:ext xmlns:c15="http://schemas.microsoft.com/office/drawing/2012/chart" uri="{CE6537A1-D6FC-4f65-9D91-7224C49458BB}"/>
+                <c:ext xmlns:c15="http://schemas.microsoft.com/office/drawing/2012/chart" uri="{CE6537A1-D6FC-4f65-9D91-7224C49458BB}">
+                  <c15:layout/>
+                </c:ext>
                 <c:ext xmlns:c16="http://schemas.microsoft.com/office/drawing/2014/chart" uri="{C3380CC4-5D6E-409C-BE32-E72D297353CC}">
                   <c16:uniqueId val="{00000004-84B4-46B1-AB30-30F1FA957810}"/>
                 </c:ext>
@@ -343,7 +345,9 @@
               <c:showPercent val="1"/>
               <c:showBubbleSize val="0"/>
               <c:extLst>
-                <c:ext xmlns:c15="http://schemas.microsoft.com/office/drawing/2012/chart" uri="{CE6537A1-D6FC-4f65-9D91-7224C49458BB}"/>
+                <c:ext xmlns:c15="http://schemas.microsoft.com/office/drawing/2012/chart" uri="{CE6537A1-D6FC-4f65-9D91-7224C49458BB}">
+                  <c15:layout/>
+                </c:ext>
                 <c:ext xmlns:c16="http://schemas.microsoft.com/office/drawing/2014/chart" uri="{C3380CC4-5D6E-409C-BE32-E72D297353CC}">
                   <c16:uniqueId val="{00000003-84B4-46B1-AB30-30F1FA957810}"/>
                 </c:ext>
@@ -404,6 +408,7 @@
                     <a:noFill/>
                   </a:ln>
                 </c15:spPr>
+                <c15:layout/>
               </c:ext>
             </c:extLst>
           </c:dLbls>
@@ -682,6 +687,7 @@
     </c:plotArea>
     <c:legend>
       <c:legendPos val="b"/>
+      <c:layout/>
       <c:overlay val="0"/>
       <c:spPr>
         <a:noFill/>
@@ -713,6 +719,7 @@
     </c:legend>
     <c:plotVisOnly val="1"/>
     <c:dispBlanksAs val="gap"/>
+    <c:showDLblsOverMax val="0"/>
     <c:extLst>
       <c:ext xmlns:c16r3="http://schemas.microsoft.com/office/drawing/2017/03/chart" uri="{56B9EC1D-385E-4148-901F-78D8002777C0}">
         <c16r3:dataDisplayOptions16>
@@ -720,7 +727,6 @@
         </c16r3:dataDisplayOptions16>
       </c:ext>
     </c:extLst>
-    <c:showDLblsOverMax val="0"/>
   </c:chart>
   <c:spPr>
     <a:noFill/>
@@ -2026,7 +2032,7 @@
           <a:p>
             <a:fld id="{83C77356-0FE8-42DC-9D8D-E1FC2684FE95}" type="datetimeFigureOut">
               <a:rPr lang="hu-HU" smtClean="0"/>
-              <a:t>2021. 12. 15.</a:t>
+              <a:t>2021. 12. 16.</a:t>
             </a:fld>
             <a:endParaRPr lang="hu-HU"/>
           </a:p>
@@ -2277,7 +2283,7 @@
           <a:p>
             <a:fld id="{83C77356-0FE8-42DC-9D8D-E1FC2684FE95}" type="datetimeFigureOut">
               <a:rPr lang="hu-HU" smtClean="0"/>
-              <a:t>2021. 12. 15.</a:t>
+              <a:t>2021. 12. 16.</a:t>
             </a:fld>
             <a:endParaRPr lang="hu-HU"/>
           </a:p>
@@ -2591,7 +2597,7 @@
           <a:p>
             <a:fld id="{83C77356-0FE8-42DC-9D8D-E1FC2684FE95}" type="datetimeFigureOut">
               <a:rPr lang="hu-HU" smtClean="0"/>
-              <a:t>2021. 12. 15.</a:t>
+              <a:t>2021. 12. 16.</a:t>
             </a:fld>
             <a:endParaRPr lang="hu-HU"/>
           </a:p>
@@ -2932,7 +2938,7 @@
           <a:p>
             <a:fld id="{83C77356-0FE8-42DC-9D8D-E1FC2684FE95}" type="datetimeFigureOut">
               <a:rPr lang="hu-HU" smtClean="0"/>
-              <a:t>2021. 12. 15.</a:t>
+              <a:t>2021. 12. 16.</a:t>
             </a:fld>
             <a:endParaRPr lang="hu-HU"/>
           </a:p>
@@ -3246,7 +3252,7 @@
           <a:p>
             <a:fld id="{83C77356-0FE8-42DC-9D8D-E1FC2684FE95}" type="datetimeFigureOut">
               <a:rPr lang="hu-HU" smtClean="0"/>
-              <a:t>2021. 12. 15.</a:t>
+              <a:t>2021. 12. 16.</a:t>
             </a:fld>
             <a:endParaRPr lang="hu-HU"/>
           </a:p>
@@ -3639,7 +3645,7 @@
           <a:p>
             <a:fld id="{83C77356-0FE8-42DC-9D8D-E1FC2684FE95}" type="datetimeFigureOut">
               <a:rPr lang="hu-HU" smtClean="0"/>
-              <a:t>2021. 12. 15.</a:t>
+              <a:t>2021. 12. 16.</a:t>
             </a:fld>
             <a:endParaRPr lang="hu-HU"/>
           </a:p>
@@ -3809,7 +3815,7 @@
           <a:p>
             <a:fld id="{83C77356-0FE8-42DC-9D8D-E1FC2684FE95}" type="datetimeFigureOut">
               <a:rPr lang="hu-HU" smtClean="0"/>
-              <a:t>2021. 12. 15.</a:t>
+              <a:t>2021. 12. 16.</a:t>
             </a:fld>
             <a:endParaRPr lang="hu-HU"/>
           </a:p>
@@ -3989,7 +3995,7 @@
           <a:p>
             <a:fld id="{83C77356-0FE8-42DC-9D8D-E1FC2684FE95}" type="datetimeFigureOut">
               <a:rPr lang="hu-HU" smtClean="0"/>
-              <a:t>2021. 12. 15.</a:t>
+              <a:t>2021. 12. 16.</a:t>
             </a:fld>
             <a:endParaRPr lang="hu-HU"/>
           </a:p>
@@ -4165,7 +4171,7 @@
           <a:p>
             <a:fld id="{83C77356-0FE8-42DC-9D8D-E1FC2684FE95}" type="datetimeFigureOut">
               <a:rPr lang="hu-HU" smtClean="0"/>
-              <a:t>2021. 12. 15.</a:t>
+              <a:t>2021. 12. 16.</a:t>
             </a:fld>
             <a:endParaRPr lang="hu-HU"/>
           </a:p>
@@ -4412,7 +4418,7 @@
           <a:p>
             <a:fld id="{83C77356-0FE8-42DC-9D8D-E1FC2684FE95}" type="datetimeFigureOut">
               <a:rPr lang="hu-HU" smtClean="0"/>
-              <a:t>2021. 12. 15.</a:t>
+              <a:t>2021. 12. 16.</a:t>
             </a:fld>
             <a:endParaRPr lang="hu-HU"/>
           </a:p>
@@ -4644,7 +4650,7 @@
           <a:p>
             <a:fld id="{83C77356-0FE8-42DC-9D8D-E1FC2684FE95}" type="datetimeFigureOut">
               <a:rPr lang="hu-HU" smtClean="0"/>
-              <a:t>2021. 12. 15.</a:t>
+              <a:t>2021. 12. 16.</a:t>
             </a:fld>
             <a:endParaRPr lang="hu-HU"/>
           </a:p>
@@ -5018,7 +5024,7 @@
           <a:p>
             <a:fld id="{83C77356-0FE8-42DC-9D8D-E1FC2684FE95}" type="datetimeFigureOut">
               <a:rPr lang="hu-HU" smtClean="0"/>
-              <a:t>2021. 12. 15.</a:t>
+              <a:t>2021. 12. 16.</a:t>
             </a:fld>
             <a:endParaRPr lang="hu-HU"/>
           </a:p>
@@ -5141,7 +5147,7 @@
           <a:p>
             <a:fld id="{83C77356-0FE8-42DC-9D8D-E1FC2684FE95}" type="datetimeFigureOut">
               <a:rPr lang="hu-HU" smtClean="0"/>
-              <a:t>2021. 12. 15.</a:t>
+              <a:t>2021. 12. 16.</a:t>
             </a:fld>
             <a:endParaRPr lang="hu-HU"/>
           </a:p>
@@ -5236,7 +5242,7 @@
           <a:p>
             <a:fld id="{83C77356-0FE8-42DC-9D8D-E1FC2684FE95}" type="datetimeFigureOut">
               <a:rPr lang="hu-HU" smtClean="0"/>
-              <a:t>2021. 12. 15.</a:t>
+              <a:t>2021. 12. 16.</a:t>
             </a:fld>
             <a:endParaRPr lang="hu-HU"/>
           </a:p>
@@ -5491,7 +5497,7 @@
           <a:p>
             <a:fld id="{83C77356-0FE8-42DC-9D8D-E1FC2684FE95}" type="datetimeFigureOut">
               <a:rPr lang="hu-HU" smtClean="0"/>
-              <a:t>2021. 12. 15.</a:t>
+              <a:t>2021. 12. 16.</a:t>
             </a:fld>
             <a:endParaRPr lang="hu-HU"/>
           </a:p>
@@ -5754,7 +5760,7 @@
           <a:p>
             <a:fld id="{83C77356-0FE8-42DC-9D8D-E1FC2684FE95}" type="datetimeFigureOut">
               <a:rPr lang="hu-HU" smtClean="0"/>
-              <a:t>2021. 12. 15.</a:t>
+              <a:t>2021. 12. 16.</a:t>
             </a:fld>
             <a:endParaRPr lang="hu-HU"/>
           </a:p>
@@ -6497,7 +6503,7 @@
           <a:p>
             <a:fld id="{83C77356-0FE8-42DC-9D8D-E1FC2684FE95}" type="datetimeFigureOut">
               <a:rPr lang="hu-HU" smtClean="0"/>
-              <a:t>2021. 12. 15.</a:t>
+              <a:t>2021. 12. 16.</a:t>
             </a:fld>
             <a:endParaRPr lang="hu-HU"/>
           </a:p>
